--- a/slide-final.pptx
+++ b/slide-final.pptx
@@ -33,30 +33,30 @@
   <p:notesSz cx="6858000" cy="9144000"/>
   <p:embeddedFontLst>
     <p:embeddedFont>
-      <p:font typeface="Barlow Light" panose="020B0604020202020204" charset="0"/>
+      <p:font typeface="Barlow" panose="020B0604020202020204" charset="0"/>
       <p:regular r:id="rId23"/>
       <p:bold r:id="rId24"/>
       <p:italic r:id="rId25"/>
       <p:boldItalic r:id="rId26"/>
     </p:embeddedFont>
     <p:embeddedFont>
-      <p:font typeface="Calibri" panose="020F0502020204030204" pitchFamily="34" charset="0"/>
+      <p:font typeface="Barlow Light" panose="020B0604020202020204" charset="0"/>
       <p:regular r:id="rId27"/>
       <p:bold r:id="rId28"/>
       <p:italic r:id="rId29"/>
       <p:boldItalic r:id="rId30"/>
     </p:embeddedFont>
     <p:embeddedFont>
-      <p:font typeface="Miriam Libre" panose="020B0604020202020204" charset="-79"/>
+      <p:font typeface="Calibri" panose="020F0502020204030204" pitchFamily="34" charset="0"/>
       <p:regular r:id="rId31"/>
       <p:bold r:id="rId32"/>
+      <p:italic r:id="rId33"/>
+      <p:boldItalic r:id="rId34"/>
     </p:embeddedFont>
     <p:embeddedFont>
-      <p:font typeface="Barlow" panose="020B0604020202020204" charset="0"/>
-      <p:regular r:id="rId33"/>
-      <p:bold r:id="rId34"/>
-      <p:italic r:id="rId35"/>
-      <p:boldItalic r:id="rId36"/>
+      <p:font typeface="Miriam Libre" panose="020B0604020202020204" charset="-79"/>
+      <p:regular r:id="rId35"/>
+      <p:bold r:id="rId36"/>
     </p:embeddedFont>
   </p:embeddedFontLst>
   <p:defaultTextStyle>
@@ -288,6 +288,11 @@
       </a:defRPr>
     </a:lvl9pPr>
   </p:defaultTextStyle>
+  <p:extLst>
+    <p:ext uri="{EFAFB233-063F-42B5-8137-9DF3F51BA10A}">
+      <p15:sldGuideLst xmlns:p15="http://schemas.microsoft.com/office/powerpoint/2012/main"/>
+    </p:ext>
+  </p:extLst>
 </p:presentation>
 </file>
 
